--- a/SUBMIT/Data_Translation_Challenge.pptx
+++ b/SUBMIT/Data_Translation_Challenge.pptx
@@ -129,256 +129,6 @@
 </p:presentation>
 </file>
 
-<file path=ppt/revisionInfo.xml><?xml version="1.0" encoding="utf-8"?>
-<p1510:revInfo xmlns:a="http://schemas.openxmlformats.org/drawingml/2006/main" xmlns:r="http://schemas.openxmlformats.org/officeDocument/2006/relationships" xmlns:p1510="http://schemas.microsoft.com/office/powerpoint/2015/10/main">
-  <p1510:revLst>
-    <p1510:client id="{051AF1D6-2468-4113-B43D-164614CE6472}" v="2" dt="2022-08-29T05:18:06.205"/>
-  </p1510:revLst>
-</p1510:revInfo>
-</file>
-
-<file path=ppt/changesInfos/changesInfo1.xml><?xml version="1.0" encoding="utf-8"?>
-<pc:chgInfo xmlns:a="http://schemas.openxmlformats.org/drawingml/2006/main" xmlns:r="http://schemas.openxmlformats.org/officeDocument/2006/relationships" xmlns:ac="http://schemas.microsoft.com/office/drawing/2013/main/command" xmlns:pc="http://schemas.microsoft.com/office/powerpoint/2013/main/command">
-  <pc:docChgLst>
-    <pc:chgData name="Lorenzo Powell" userId="25d764850ba07cfb" providerId="LiveId" clId="{051AF1D6-2468-4113-B43D-164614CE6472}"/>
-    <pc:docChg chg="undo custSel addSld delSld modSld sldOrd">
-      <pc:chgData name="Lorenzo Powell" userId="25d764850ba07cfb" providerId="LiveId" clId="{051AF1D6-2468-4113-B43D-164614CE6472}" dt="2022-08-29T06:54:49.458" v="1721" actId="20577"/>
-      <pc:docMkLst>
-        <pc:docMk/>
-      </pc:docMkLst>
-      <pc:sldChg chg="modSp mod">
-        <pc:chgData name="Lorenzo Powell" userId="25d764850ba07cfb" providerId="LiveId" clId="{051AF1D6-2468-4113-B43D-164614CE6472}" dt="2022-08-29T04:35:27.067" v="500" actId="20577"/>
-        <pc:sldMkLst>
-          <pc:docMk/>
-          <pc:sldMk cId="1446960452" sldId="257"/>
-        </pc:sldMkLst>
-        <pc:spChg chg="mod">
-          <ac:chgData name="Lorenzo Powell" userId="25d764850ba07cfb" providerId="LiveId" clId="{051AF1D6-2468-4113-B43D-164614CE6472}" dt="2022-08-29T04:35:27.067" v="500" actId="20577"/>
-          <ac:spMkLst>
-            <pc:docMk/>
-            <pc:sldMk cId="1446960452" sldId="257"/>
-            <ac:spMk id="3" creationId="{8496BC7E-3C1D-7DB2-0160-76E6CD8545A5}"/>
-          </ac:spMkLst>
-        </pc:spChg>
-      </pc:sldChg>
-      <pc:sldChg chg="modSp mod ord">
-        <pc:chgData name="Lorenzo Powell" userId="25d764850ba07cfb" providerId="LiveId" clId="{051AF1D6-2468-4113-B43D-164614CE6472}" dt="2022-08-29T04:36:41.614" v="503"/>
-        <pc:sldMkLst>
-          <pc:docMk/>
-          <pc:sldMk cId="3656780679" sldId="258"/>
-        </pc:sldMkLst>
-        <pc:spChg chg="mod">
-          <ac:chgData name="Lorenzo Powell" userId="25d764850ba07cfb" providerId="LiveId" clId="{051AF1D6-2468-4113-B43D-164614CE6472}" dt="2022-08-29T04:36:25.263" v="501" actId="33524"/>
-          <ac:spMkLst>
-            <pc:docMk/>
-            <pc:sldMk cId="3656780679" sldId="258"/>
-            <ac:spMk id="3" creationId="{831658A1-7A8F-7AE6-CD8A-86D7320BDF91}"/>
-          </ac:spMkLst>
-        </pc:spChg>
-      </pc:sldChg>
-      <pc:sldChg chg="modSp mod">
-        <pc:chgData name="Lorenzo Powell" userId="25d764850ba07cfb" providerId="LiveId" clId="{051AF1D6-2468-4113-B43D-164614CE6472}" dt="2022-08-29T05:23:28.648" v="837" actId="20577"/>
-        <pc:sldMkLst>
-          <pc:docMk/>
-          <pc:sldMk cId="4104563718" sldId="260"/>
-        </pc:sldMkLst>
-        <pc:spChg chg="mod">
-          <ac:chgData name="Lorenzo Powell" userId="25d764850ba07cfb" providerId="LiveId" clId="{051AF1D6-2468-4113-B43D-164614CE6472}" dt="2022-08-29T04:39:58.977" v="519" actId="122"/>
-          <ac:spMkLst>
-            <pc:docMk/>
-            <pc:sldMk cId="4104563718" sldId="260"/>
-            <ac:spMk id="2" creationId="{8F5CC83E-7795-C72A-67AD-0AEE5713FD3B}"/>
-          </ac:spMkLst>
-        </pc:spChg>
-        <pc:spChg chg="mod">
-          <ac:chgData name="Lorenzo Powell" userId="25d764850ba07cfb" providerId="LiveId" clId="{051AF1D6-2468-4113-B43D-164614CE6472}" dt="2022-08-29T05:23:28.648" v="837" actId="20577"/>
-          <ac:spMkLst>
-            <pc:docMk/>
-            <pc:sldMk cId="4104563718" sldId="260"/>
-            <ac:spMk id="3" creationId="{B7A456CF-E26C-359E-8869-E0A4C45908A6}"/>
-          </ac:spMkLst>
-        </pc:spChg>
-      </pc:sldChg>
-      <pc:sldChg chg="new del">
-        <pc:chgData name="Lorenzo Powell" userId="25d764850ba07cfb" providerId="LiveId" clId="{051AF1D6-2468-4113-B43D-164614CE6472}" dt="2022-08-29T03:54:15.391" v="1" actId="47"/>
-        <pc:sldMkLst>
-          <pc:docMk/>
-          <pc:sldMk cId="4008818600" sldId="261"/>
-        </pc:sldMkLst>
-      </pc:sldChg>
-      <pc:sldChg chg="addSp delSp modSp new del mod">
-        <pc:chgData name="Lorenzo Powell" userId="25d764850ba07cfb" providerId="LiveId" clId="{051AF1D6-2468-4113-B43D-164614CE6472}" dt="2022-08-29T05:32:55.224" v="929" actId="47"/>
-        <pc:sldMkLst>
-          <pc:docMk/>
-          <pc:sldMk cId="4292459630" sldId="261"/>
-        </pc:sldMkLst>
-        <pc:spChg chg="mod">
-          <ac:chgData name="Lorenzo Powell" userId="25d764850ba07cfb" providerId="LiveId" clId="{051AF1D6-2468-4113-B43D-164614CE6472}" dt="2022-08-29T04:50:57.915" v="636" actId="1076"/>
-          <ac:spMkLst>
-            <pc:docMk/>
-            <pc:sldMk cId="4292459630" sldId="261"/>
-            <ac:spMk id="2" creationId="{967C9EE1-D62F-ABA3-D8F5-A7AE016A72FA}"/>
-          </ac:spMkLst>
-        </pc:spChg>
-        <pc:spChg chg="add del mod">
-          <ac:chgData name="Lorenzo Powell" userId="25d764850ba07cfb" providerId="LiveId" clId="{051AF1D6-2468-4113-B43D-164614CE6472}" dt="2022-08-29T05:32:48.215" v="926"/>
-          <ac:spMkLst>
-            <pc:docMk/>
-            <pc:sldMk cId="4292459630" sldId="261"/>
-            <ac:spMk id="3" creationId="{E30C526F-C418-3123-AA29-7C11B3B9E4B0}"/>
-          </ac:spMkLst>
-        </pc:spChg>
-      </pc:sldChg>
-      <pc:sldChg chg="addSp delSp modSp new del mod">
-        <pc:chgData name="Lorenzo Powell" userId="25d764850ba07cfb" providerId="LiveId" clId="{051AF1D6-2468-4113-B43D-164614CE6472}" dt="2022-08-29T05:34:09.881" v="936" actId="47"/>
-        <pc:sldMkLst>
-          <pc:docMk/>
-          <pc:sldMk cId="3567154760" sldId="262"/>
-        </pc:sldMkLst>
-        <pc:spChg chg="mod">
-          <ac:chgData name="Lorenzo Powell" userId="25d764850ba07cfb" providerId="LiveId" clId="{051AF1D6-2468-4113-B43D-164614CE6472}" dt="2022-08-29T05:27:55.628" v="894" actId="1076"/>
-          <ac:spMkLst>
-            <pc:docMk/>
-            <pc:sldMk cId="3567154760" sldId="262"/>
-            <ac:spMk id="2" creationId="{3D0EE8B9-107E-45C2-39B8-6B6A451B18EB}"/>
-          </ac:spMkLst>
-        </pc:spChg>
-        <pc:spChg chg="add del mod">
-          <ac:chgData name="Lorenzo Powell" userId="25d764850ba07cfb" providerId="LiveId" clId="{051AF1D6-2468-4113-B43D-164614CE6472}" dt="2022-08-29T05:22:55.399" v="833" actId="2711"/>
-          <ac:spMkLst>
-            <pc:docMk/>
-            <pc:sldMk cId="3567154760" sldId="262"/>
-            <ac:spMk id="3" creationId="{23717364-D0B4-6815-572F-77FF663ED0DC}"/>
-          </ac:spMkLst>
-        </pc:spChg>
-      </pc:sldChg>
-      <pc:sldChg chg="modSp new mod">
-        <pc:chgData name="Lorenzo Powell" userId="25d764850ba07cfb" providerId="LiveId" clId="{051AF1D6-2468-4113-B43D-164614CE6472}" dt="2022-08-29T06:29:05.426" v="1129" actId="20577"/>
-        <pc:sldMkLst>
-          <pc:docMk/>
-          <pc:sldMk cId="3185306136" sldId="263"/>
-        </pc:sldMkLst>
-        <pc:spChg chg="mod">
-          <ac:chgData name="Lorenzo Powell" userId="25d764850ba07cfb" providerId="LiveId" clId="{051AF1D6-2468-4113-B43D-164614CE6472}" dt="2022-08-29T05:33:19.963" v="931" actId="1076"/>
-          <ac:spMkLst>
-            <pc:docMk/>
-            <pc:sldMk cId="3185306136" sldId="263"/>
-            <ac:spMk id="2" creationId="{18B6764B-D9BE-4011-075C-054858EA1570}"/>
-          </ac:spMkLst>
-        </pc:spChg>
-        <pc:spChg chg="mod">
-          <ac:chgData name="Lorenzo Powell" userId="25d764850ba07cfb" providerId="LiveId" clId="{051AF1D6-2468-4113-B43D-164614CE6472}" dt="2022-08-29T06:29:05.426" v="1129" actId="20577"/>
-          <ac:spMkLst>
-            <pc:docMk/>
-            <pc:sldMk cId="3185306136" sldId="263"/>
-            <ac:spMk id="3" creationId="{211098B0-76A0-F165-7F85-EC5EAD2337AA}"/>
-          </ac:spMkLst>
-        </pc:spChg>
-      </pc:sldChg>
-      <pc:sldChg chg="modSp new mod">
-        <pc:chgData name="Lorenzo Powell" userId="25d764850ba07cfb" providerId="LiveId" clId="{051AF1D6-2468-4113-B43D-164614CE6472}" dt="2022-08-29T06:43:45.630" v="1532" actId="20577"/>
-        <pc:sldMkLst>
-          <pc:docMk/>
-          <pc:sldMk cId="3639743084" sldId="264"/>
-        </pc:sldMkLst>
-        <pc:spChg chg="mod">
-          <ac:chgData name="Lorenzo Powell" userId="25d764850ba07cfb" providerId="LiveId" clId="{051AF1D6-2468-4113-B43D-164614CE6472}" dt="2022-08-29T05:34:24.800" v="938" actId="1076"/>
-          <ac:spMkLst>
-            <pc:docMk/>
-            <pc:sldMk cId="3639743084" sldId="264"/>
-            <ac:spMk id="2" creationId="{257DFFBE-BB75-B327-7F6A-C4698A433D34}"/>
-          </ac:spMkLst>
-        </pc:spChg>
-        <pc:spChg chg="mod">
-          <ac:chgData name="Lorenzo Powell" userId="25d764850ba07cfb" providerId="LiveId" clId="{051AF1D6-2468-4113-B43D-164614CE6472}" dt="2022-08-29T06:43:45.630" v="1532" actId="20577"/>
-          <ac:spMkLst>
-            <pc:docMk/>
-            <pc:sldMk cId="3639743084" sldId="264"/>
-            <ac:spMk id="3" creationId="{21312017-ED45-E334-182B-F684249A0E48}"/>
-          </ac:spMkLst>
-        </pc:spChg>
-      </pc:sldChg>
-      <pc:sldChg chg="modSp new mod">
-        <pc:chgData name="Lorenzo Powell" userId="25d764850ba07cfb" providerId="LiveId" clId="{051AF1D6-2468-4113-B43D-164614CE6472}" dt="2022-08-29T06:54:49.458" v="1721" actId="20577"/>
-        <pc:sldMkLst>
-          <pc:docMk/>
-          <pc:sldMk cId="802707706" sldId="265"/>
-        </pc:sldMkLst>
-        <pc:spChg chg="mod">
-          <ac:chgData name="Lorenzo Powell" userId="25d764850ba07cfb" providerId="LiveId" clId="{051AF1D6-2468-4113-B43D-164614CE6472}" dt="2022-08-29T05:42:05.023" v="1029" actId="1076"/>
-          <ac:spMkLst>
-            <pc:docMk/>
-            <pc:sldMk cId="802707706" sldId="265"/>
-            <ac:spMk id="2" creationId="{07251BE5-6B18-2EDA-A220-3491D696CB67}"/>
-          </ac:spMkLst>
-        </pc:spChg>
-        <pc:spChg chg="mod">
-          <ac:chgData name="Lorenzo Powell" userId="25d764850ba07cfb" providerId="LiveId" clId="{051AF1D6-2468-4113-B43D-164614CE6472}" dt="2022-08-29T06:54:49.458" v="1721" actId="20577"/>
-          <ac:spMkLst>
-            <pc:docMk/>
-            <pc:sldMk cId="802707706" sldId="265"/>
-            <ac:spMk id="3" creationId="{35CCBF09-2379-0BC5-C6F4-84CCF519BC43}"/>
-          </ac:spMkLst>
-        </pc:spChg>
-      </pc:sldChg>
-      <pc:sldChg chg="modSp new mod">
-        <pc:chgData name="Lorenzo Powell" userId="25d764850ba07cfb" providerId="LiveId" clId="{051AF1D6-2468-4113-B43D-164614CE6472}" dt="2022-08-29T05:51:03.318" v="1128" actId="20577"/>
-        <pc:sldMkLst>
-          <pc:docMk/>
-          <pc:sldMk cId="4219064348" sldId="266"/>
-        </pc:sldMkLst>
-        <pc:spChg chg="mod">
-          <ac:chgData name="Lorenzo Powell" userId="25d764850ba07cfb" providerId="LiveId" clId="{051AF1D6-2468-4113-B43D-164614CE6472}" dt="2022-08-29T05:44:15.142" v="1098" actId="1076"/>
-          <ac:spMkLst>
-            <pc:docMk/>
-            <pc:sldMk cId="4219064348" sldId="266"/>
-            <ac:spMk id="2" creationId="{BD3F6030-1DEF-53BC-34C0-4147D55B8C63}"/>
-          </ac:spMkLst>
-        </pc:spChg>
-        <pc:spChg chg="mod">
-          <ac:chgData name="Lorenzo Powell" userId="25d764850ba07cfb" providerId="LiveId" clId="{051AF1D6-2468-4113-B43D-164614CE6472}" dt="2022-08-29T05:51:03.318" v="1128" actId="20577"/>
-          <ac:spMkLst>
-            <pc:docMk/>
-            <pc:sldMk cId="4219064348" sldId="266"/>
-            <ac:spMk id="3" creationId="{309C7587-C003-0277-FEB4-6600264AE401}"/>
-          </ac:spMkLst>
-        </pc:spChg>
-      </pc:sldChg>
-      <pc:sldChg chg="new del">
-        <pc:chgData name="Lorenzo Powell" userId="25d764850ba07cfb" providerId="LiveId" clId="{051AF1D6-2468-4113-B43D-164614CE6472}" dt="2022-08-29T06:34:07.472" v="1131" actId="680"/>
-        <pc:sldMkLst>
-          <pc:docMk/>
-          <pc:sldMk cId="253233043" sldId="267"/>
-        </pc:sldMkLst>
-      </pc:sldChg>
-      <pc:sldChg chg="modSp new mod">
-        <pc:chgData name="Lorenzo Powell" userId="25d764850ba07cfb" providerId="LiveId" clId="{051AF1D6-2468-4113-B43D-164614CE6472}" dt="2022-08-29T06:48:09.623" v="1590" actId="20577"/>
-        <pc:sldMkLst>
-          <pc:docMk/>
-          <pc:sldMk cId="2056325649" sldId="267"/>
-        </pc:sldMkLst>
-        <pc:spChg chg="mod">
-          <ac:chgData name="Lorenzo Powell" userId="25d764850ba07cfb" providerId="LiveId" clId="{051AF1D6-2468-4113-B43D-164614CE6472}" dt="2022-08-29T06:34:19.159" v="1142" actId="20577"/>
-          <ac:spMkLst>
-            <pc:docMk/>
-            <pc:sldMk cId="2056325649" sldId="267"/>
-            <ac:spMk id="2" creationId="{10C9C502-7547-F689-059E-E72C39B57C3C}"/>
-          </ac:spMkLst>
-        </pc:spChg>
-        <pc:spChg chg="mod">
-          <ac:chgData name="Lorenzo Powell" userId="25d764850ba07cfb" providerId="LiveId" clId="{051AF1D6-2468-4113-B43D-164614CE6472}" dt="2022-08-29T06:48:09.623" v="1590" actId="20577"/>
-          <ac:spMkLst>
-            <pc:docMk/>
-            <pc:sldMk cId="2056325649" sldId="267"/>
-            <ac:spMk id="3" creationId="{FA50718E-1D44-C18A-0AF7-D2EA0C2D48F5}"/>
-          </ac:spMkLst>
-        </pc:spChg>
-      </pc:sldChg>
-    </pc:docChg>
-  </pc:docChgLst>
-</pc:chgInfo>
-</file>
-
 <file path=ppt/notesMasters/notesMaster1.xml><?xml version="1.0" encoding="utf-8"?>
 <p:notesMaster xmlns:a="http://schemas.openxmlformats.org/drawingml/2006/main" xmlns:r="http://schemas.openxmlformats.org/officeDocument/2006/relationships" xmlns:p="http://schemas.openxmlformats.org/presentationml/2006/main">
   <p:cSld>
@@ -729,6 +479,119 @@
 </file>
 
 <file path=ppt/notesSlides/notesSlide1.xml><?xml version="1.0" encoding="utf-8"?>
+<p:notes xmlns:a="http://schemas.openxmlformats.org/drawingml/2006/main" xmlns:r="http://schemas.openxmlformats.org/officeDocument/2006/relationships" xmlns:p="http://schemas.openxmlformats.org/presentationml/2006/main">
+  <p:cSld>
+    <p:spTree>
+      <p:nvGrpSpPr>
+        <p:cNvPr id="1" name=""/>
+        <p:cNvGrpSpPr/>
+        <p:nvPr/>
+      </p:nvGrpSpPr>
+      <p:grpSpPr>
+        <a:xfrm>
+          <a:off x="0" y="0"/>
+          <a:ext cx="0" cy="0"/>
+          <a:chOff x="0" y="0"/>
+          <a:chExt cx="0" cy="0"/>
+        </a:xfrm>
+      </p:grpSpPr>
+      <p:sp>
+        <p:nvSpPr>
+          <p:cNvPr id="2" name="Slide Image Placeholder 1"/>
+          <p:cNvSpPr>
+            <a:spLocks noGrp="1" noRot="1" noChangeAspect="1"/>
+          </p:cNvSpPr>
+          <p:nvPr>
+            <p:ph type="sldImg"/>
+          </p:nvPr>
+        </p:nvSpPr>
+        <p:spPr/>
+      </p:sp>
+      <p:sp>
+        <p:nvSpPr>
+          <p:cNvPr id="3" name="Notes Placeholder 2"/>
+          <p:cNvSpPr>
+            <a:spLocks noGrp="1"/>
+          </p:cNvSpPr>
+          <p:nvPr>
+            <p:ph type="body" idx="1"/>
+          </p:nvPr>
+        </p:nvSpPr>
+        <p:spPr/>
+        <p:txBody>
+          <a:bodyPr/>
+          <a:lstStyle/>
+          <a:p>
+            <a:r>
+              <a:rPr lang="en-US" dirty="0"/>
+              <a:t>Pre COVID employees = 204,550</a:t>
+            </a:r>
+          </a:p>
+          <a:p>
+            <a:pPr marL="0" marR="0" lvl="0" indent="0" algn="l" defTabSz="914400" rtl="0" eaLnBrk="1" fontAlgn="auto" latinLnBrk="0" hangingPunct="1">
+              <a:lnSpc>
+                <a:spcPct val="100000"/>
+              </a:lnSpc>
+              <a:spcBef>
+                <a:spcPts val="0"/>
+              </a:spcBef>
+              <a:spcAft>
+                <a:spcPts val="0"/>
+              </a:spcAft>
+              <a:buClrTx/>
+              <a:buSzTx/>
+              <a:buFontTx/>
+              <a:buNone/>
+              <a:tabLst/>
+              <a:defRPr/>
+            </a:pPr>
+            <a:r>
+              <a:rPr lang="en-US" dirty="0"/>
+              <a:t>Post  COVID employees = 171,235</a:t>
+            </a:r>
+          </a:p>
+          <a:p>
+            <a:endParaRPr lang="en-US" dirty="0"/>
+          </a:p>
+        </p:txBody>
+      </p:sp>
+      <p:sp>
+        <p:nvSpPr>
+          <p:cNvPr id="4" name="Slide Number Placeholder 3"/>
+          <p:cNvSpPr>
+            <a:spLocks noGrp="1"/>
+          </p:cNvSpPr>
+          <p:nvPr>
+            <p:ph type="sldNum" sz="quarter" idx="5"/>
+          </p:nvPr>
+        </p:nvSpPr>
+        <p:spPr/>
+        <p:txBody>
+          <a:bodyPr/>
+          <a:lstStyle/>
+          <a:p>
+            <a:fld id="{209A8B58-415C-46E2-9116-780F1566272C}" type="slidenum">
+              <a:rPr lang="en-US" smtClean="0"/>
+              <a:t>6</a:t>
+            </a:fld>
+            <a:endParaRPr lang="en-US"/>
+          </a:p>
+        </p:txBody>
+      </p:sp>
+    </p:spTree>
+    <p:extLst>
+      <p:ext uri="{BB962C8B-B14F-4D97-AF65-F5344CB8AC3E}">
+        <p14:creationId xmlns:p14="http://schemas.microsoft.com/office/powerpoint/2010/main" val="2912467298"/>
+      </p:ext>
+    </p:extLst>
+  </p:cSld>
+  <p:clrMapOvr>
+    <a:masterClrMapping/>
+  </p:clrMapOvr>
+</p:notes>
+</file>
+
+<file path=ppt/notesSlides/notesSlide2.xml><?xml version="1.0" encoding="utf-8"?>
 <p:notes xmlns:a="http://schemas.openxmlformats.org/drawingml/2006/main" xmlns:r="http://schemas.openxmlformats.org/officeDocument/2006/relationships" xmlns:p="http://schemas.openxmlformats.org/presentationml/2006/main">
   <p:cSld>
     <p:spTree>
@@ -5020,6 +4883,19 @@
           <a:p>
             <a:r>
               <a:rPr lang="en-US" dirty="0"/>
+              <a:t>Recommended Regression model was not used </a:t>
+            </a:r>
+          </a:p>
+          <a:p>
+            <a:pPr lvl="1"/>
+            <a:r>
+              <a:rPr lang="en-US" dirty="0"/>
+              <a:t>By own negligence</a:t>
+            </a:r>
+          </a:p>
+          <a:p>
+            <a:r>
+              <a:rPr lang="en-US" dirty="0"/>
               <a:t>Skill deficiency</a:t>
             </a:r>
           </a:p>
@@ -5052,7 +4928,14 @@
           <a:p>
             <a:r>
               <a:rPr lang="en-US" dirty="0"/>
-              <a:t>‘Not In Retail Industry design</a:t>
+              <a:t>‘Not In Retail’ industry design</a:t>
+            </a:r>
+          </a:p>
+          <a:p>
+            <a:pPr lvl="1"/>
+            <a:r>
+              <a:rPr lang="en-US" dirty="0"/>
+              <a:t>Include more industry groups</a:t>
             </a:r>
           </a:p>
         </p:txBody>
@@ -5787,7 +5670,7 @@
                 <a:effectLst/>
                 <a:cs typeface="Calibri Light" panose="020F0302020204030204" pitchFamily="34" charset="0"/>
               </a:rPr>
-              <a:t>The first 2 regression models included below regress:***</a:t>
+              <a:t>The first 2 regression models included below regress</a:t>
             </a:r>
           </a:p>
           <a:p>
@@ -5953,7 +5836,7 @@
                 <a:effectLst/>
                 <a:cs typeface="Calibri Light" panose="020F0302020204030204" pitchFamily="34" charset="0"/>
               </a:rPr>
-              <a:t>The first model indicates that:***</a:t>
+              <a:t>The first model indicates that</a:t>
             </a:r>
           </a:p>
           <a:p>
